--- a/01. Pre-Classic/_OpenTK/04. Gerando uma Textura.pptx
+++ b/01. Pre-Classic/_OpenTK/04. Gerando uma Textura.pptx
@@ -5,7 +5,7 @@
     <p:sldMasterId id="2147483648" r:id="rId1"/>
   </p:sldMasterIdLst>
   <p:notesMasterIdLst>
-    <p:notesMasterId r:id="rId46"/>
+    <p:notesMasterId r:id="rId48"/>
   </p:notesMasterIdLst>
   <p:sldIdLst>
     <p:sldId id="289" r:id="rId2"/>
@@ -52,6 +52,8 @@
     <p:sldId id="314" r:id="rId43"/>
     <p:sldId id="316" r:id="rId44"/>
     <p:sldId id="265" r:id="rId45"/>
+    <p:sldId id="387" r:id="rId46"/>
+    <p:sldId id="388" r:id="rId47"/>
   </p:sldIdLst>
   <p:sldSz cx="12192000" cy="6858000"/>
   <p:notesSz cx="6858000" cy="9144000"/>
@@ -240,7 +242,7 @@
           <a:p>
             <a:fld id="{6B931698-84D8-42BD-BCE1-753DFB7742E7}" type="datetimeFigureOut">
               <a:rPr lang="pt-BR" smtClean="0"/>
-              <a:t>13/07/2024</a:t>
+              <a:t>27/07/2024</a:t>
             </a:fld>
             <a:endParaRPr lang="pt-BR"/>
           </a:p>
@@ -1494,7 +1496,7 @@
           <a:p>
             <a:fld id="{ACD97E7C-8B2C-443B-812C-A4AB6668AC48}" type="datetimeFigureOut">
               <a:rPr lang="pt-BR" smtClean="0"/>
-              <a:t>13/07/2024</a:t>
+              <a:t>27/07/2024</a:t>
             </a:fld>
             <a:endParaRPr lang="pt-BR"/>
           </a:p>
@@ -1692,7 +1694,7 @@
           <a:p>
             <a:fld id="{ACD97E7C-8B2C-443B-812C-A4AB6668AC48}" type="datetimeFigureOut">
               <a:rPr lang="pt-BR" smtClean="0"/>
-              <a:t>13/07/2024</a:t>
+              <a:t>27/07/2024</a:t>
             </a:fld>
             <a:endParaRPr lang="pt-BR"/>
           </a:p>
@@ -1900,7 +1902,7 @@
           <a:p>
             <a:fld id="{ACD97E7C-8B2C-443B-812C-A4AB6668AC48}" type="datetimeFigureOut">
               <a:rPr lang="pt-BR" smtClean="0"/>
-              <a:t>13/07/2024</a:t>
+              <a:t>27/07/2024</a:t>
             </a:fld>
             <a:endParaRPr lang="pt-BR"/>
           </a:p>
@@ -2098,7 +2100,7 @@
           <a:p>
             <a:fld id="{ACD97E7C-8B2C-443B-812C-A4AB6668AC48}" type="datetimeFigureOut">
               <a:rPr lang="pt-BR" smtClean="0"/>
-              <a:t>13/07/2024</a:t>
+              <a:t>27/07/2024</a:t>
             </a:fld>
             <a:endParaRPr lang="pt-BR"/>
           </a:p>
@@ -2373,7 +2375,7 @@
           <a:p>
             <a:fld id="{ACD97E7C-8B2C-443B-812C-A4AB6668AC48}" type="datetimeFigureOut">
               <a:rPr lang="pt-BR" smtClean="0"/>
-              <a:t>13/07/2024</a:t>
+              <a:t>27/07/2024</a:t>
             </a:fld>
             <a:endParaRPr lang="pt-BR"/>
           </a:p>
@@ -2638,7 +2640,7 @@
           <a:p>
             <a:fld id="{ACD97E7C-8B2C-443B-812C-A4AB6668AC48}" type="datetimeFigureOut">
               <a:rPr lang="pt-BR" smtClean="0"/>
-              <a:t>13/07/2024</a:t>
+              <a:t>27/07/2024</a:t>
             </a:fld>
             <a:endParaRPr lang="pt-BR"/>
           </a:p>
@@ -3050,7 +3052,7 @@
           <a:p>
             <a:fld id="{ACD97E7C-8B2C-443B-812C-A4AB6668AC48}" type="datetimeFigureOut">
               <a:rPr lang="pt-BR" smtClean="0"/>
-              <a:t>13/07/2024</a:t>
+              <a:t>27/07/2024</a:t>
             </a:fld>
             <a:endParaRPr lang="pt-BR"/>
           </a:p>
@@ -3191,7 +3193,7 @@
           <a:p>
             <a:fld id="{ACD97E7C-8B2C-443B-812C-A4AB6668AC48}" type="datetimeFigureOut">
               <a:rPr lang="pt-BR" smtClean="0"/>
-              <a:t>13/07/2024</a:t>
+              <a:t>27/07/2024</a:t>
             </a:fld>
             <a:endParaRPr lang="pt-BR"/>
           </a:p>
@@ -3304,7 +3306,7 @@
           <a:p>
             <a:fld id="{ACD97E7C-8B2C-443B-812C-A4AB6668AC48}" type="datetimeFigureOut">
               <a:rPr lang="pt-BR" smtClean="0"/>
-              <a:t>13/07/2024</a:t>
+              <a:t>27/07/2024</a:t>
             </a:fld>
             <a:endParaRPr lang="pt-BR"/>
           </a:p>
@@ -3615,7 +3617,7 @@
           <a:p>
             <a:fld id="{ACD97E7C-8B2C-443B-812C-A4AB6668AC48}" type="datetimeFigureOut">
               <a:rPr lang="pt-BR" smtClean="0"/>
-              <a:t>13/07/2024</a:t>
+              <a:t>27/07/2024</a:t>
             </a:fld>
             <a:endParaRPr lang="pt-BR"/>
           </a:p>
@@ -3903,7 +3905,7 @@
           <a:p>
             <a:fld id="{ACD97E7C-8B2C-443B-812C-A4AB6668AC48}" type="datetimeFigureOut">
               <a:rPr lang="pt-BR" smtClean="0"/>
-              <a:t>13/07/2024</a:t>
+              <a:t>27/07/2024</a:t>
             </a:fld>
             <a:endParaRPr lang="pt-BR"/>
           </a:p>
@@ -4144,7 +4146,7 @@
           <a:p>
             <a:fld id="{ACD97E7C-8B2C-443B-812C-A4AB6668AC48}" type="datetimeFigureOut">
               <a:rPr lang="pt-BR" smtClean="0"/>
-              <a:t>13/07/2024</a:t>
+              <a:t>27/07/2024</a:t>
             </a:fld>
             <a:endParaRPr lang="pt-BR"/>
           </a:p>
@@ -37538,6 +37540,883 @@
     <p:extLst>
       <p:ext uri="{BB962C8B-B14F-4D97-AF65-F5344CB8AC3E}">
         <p14:creationId xmlns:p14="http://schemas.microsoft.com/office/powerpoint/2010/main" val="3311145382"/>
+      </p:ext>
+    </p:extLst>
+  </p:cSld>
+  <p:clrMapOvr>
+    <a:masterClrMapping/>
+  </p:clrMapOvr>
+</p:sld>
+</file>
+
+<file path=ppt/slides/slide45.xml><?xml version="1.0" encoding="utf-8"?>
+<p:sld xmlns:a="http://schemas.openxmlformats.org/drawingml/2006/main" xmlns:r="http://schemas.openxmlformats.org/officeDocument/2006/relationships" xmlns:p="http://schemas.openxmlformats.org/presentationml/2006/main">
+  <p:cSld>
+    <p:spTree>
+      <p:nvGrpSpPr>
+        <p:cNvPr id="1" name=""/>
+        <p:cNvGrpSpPr/>
+        <p:nvPr/>
+      </p:nvGrpSpPr>
+      <p:grpSpPr>
+        <a:xfrm>
+          <a:off x="0" y="0"/>
+          <a:ext cx="0" cy="0"/>
+          <a:chOff x="0" y="0"/>
+          <a:chExt cx="0" cy="0"/>
+        </a:xfrm>
+      </p:grpSpPr>
+      <p:sp>
+        <p:nvSpPr>
+          <p:cNvPr id="2" name="Retângulo 1">
+            <a:extLst>
+              <a:ext uri="{FF2B5EF4-FFF2-40B4-BE49-F238E27FC236}">
+                <a16:creationId xmlns:a16="http://schemas.microsoft.com/office/drawing/2014/main" id="{180CD63F-3719-A014-7F9E-3F356723197F}"/>
+              </a:ext>
+            </a:extLst>
+          </p:cNvPr>
+          <p:cNvSpPr/>
+          <p:nvPr/>
+        </p:nvSpPr>
+        <p:spPr>
+          <a:xfrm>
+            <a:off x="0" y="0"/>
+            <a:ext cx="12192000" cy="6858000"/>
+          </a:xfrm>
+          <a:prstGeom prst="rect">
+            <a:avLst/>
+          </a:prstGeom>
+          <a:solidFill>
+            <a:schemeClr val="tx1">
+              <a:lumMod val="85000"/>
+              <a:lumOff val="15000"/>
+            </a:schemeClr>
+          </a:solidFill>
+          <a:ln>
+            <a:noFill/>
+          </a:ln>
+        </p:spPr>
+        <p:style>
+          <a:lnRef idx="2">
+            <a:schemeClr val="accent1">
+              <a:shade val="15000"/>
+            </a:schemeClr>
+          </a:lnRef>
+          <a:fillRef idx="1">
+            <a:schemeClr val="accent1"/>
+          </a:fillRef>
+          <a:effectRef idx="0">
+            <a:schemeClr val="accent1"/>
+          </a:effectRef>
+          <a:fontRef idx="minor">
+            <a:schemeClr val="lt1"/>
+          </a:fontRef>
+        </p:style>
+        <p:txBody>
+          <a:bodyPr rtlCol="0" anchor="ctr"/>
+          <a:lstStyle/>
+          <a:p>
+            <a:pPr algn="ctr"/>
+            <a:endParaRPr lang="pt-BR"/>
+          </a:p>
+        </p:txBody>
+      </p:sp>
+    </p:spTree>
+    <p:extLst>
+      <p:ext uri="{BB962C8B-B14F-4D97-AF65-F5344CB8AC3E}">
+        <p14:creationId xmlns:p14="http://schemas.microsoft.com/office/powerpoint/2010/main" val="22428909"/>
+      </p:ext>
+    </p:extLst>
+  </p:cSld>
+  <p:clrMapOvr>
+    <a:masterClrMapping/>
+  </p:clrMapOvr>
+</p:sld>
+</file>
+
+<file path=ppt/slides/slide46.xml><?xml version="1.0" encoding="utf-8"?>
+<p:sld xmlns:a="http://schemas.openxmlformats.org/drawingml/2006/main" xmlns:r="http://schemas.openxmlformats.org/officeDocument/2006/relationships" xmlns:p="http://schemas.openxmlformats.org/presentationml/2006/main">
+  <p:cSld>
+    <p:spTree>
+      <p:nvGrpSpPr>
+        <p:cNvPr id="1" name=""/>
+        <p:cNvGrpSpPr/>
+        <p:nvPr/>
+      </p:nvGrpSpPr>
+      <p:grpSpPr>
+        <a:xfrm>
+          <a:off x="0" y="0"/>
+          <a:ext cx="0" cy="0"/>
+          <a:chOff x="0" y="0"/>
+          <a:chExt cx="0" cy="0"/>
+        </a:xfrm>
+      </p:grpSpPr>
+      <p:sp>
+        <p:nvSpPr>
+          <p:cNvPr id="2" name="Retângulo 1">
+            <a:extLst>
+              <a:ext uri="{FF2B5EF4-FFF2-40B4-BE49-F238E27FC236}">
+                <a16:creationId xmlns:a16="http://schemas.microsoft.com/office/drawing/2014/main" id="{7294F6F1-434F-7334-5ADE-8DB40B109809}"/>
+              </a:ext>
+            </a:extLst>
+          </p:cNvPr>
+          <p:cNvSpPr/>
+          <p:nvPr/>
+        </p:nvSpPr>
+        <p:spPr>
+          <a:xfrm>
+            <a:off x="0" y="0"/>
+            <a:ext cx="12192000" cy="6858000"/>
+          </a:xfrm>
+          <a:prstGeom prst="rect">
+            <a:avLst/>
+          </a:prstGeom>
+          <a:solidFill>
+            <a:schemeClr val="tx1">
+              <a:lumMod val="85000"/>
+              <a:lumOff val="15000"/>
+            </a:schemeClr>
+          </a:solidFill>
+          <a:ln>
+            <a:noFill/>
+          </a:ln>
+        </p:spPr>
+        <p:style>
+          <a:lnRef idx="2">
+            <a:schemeClr val="accent1">
+              <a:shade val="15000"/>
+            </a:schemeClr>
+          </a:lnRef>
+          <a:fillRef idx="1">
+            <a:schemeClr val="accent1"/>
+          </a:fillRef>
+          <a:effectRef idx="0">
+            <a:schemeClr val="accent1"/>
+          </a:effectRef>
+          <a:fontRef idx="minor">
+            <a:schemeClr val="lt1"/>
+          </a:fontRef>
+        </p:style>
+        <p:txBody>
+          <a:bodyPr rtlCol="0" anchor="ctr"/>
+          <a:lstStyle/>
+          <a:p>
+            <a:pPr algn="ctr"/>
+            <a:endParaRPr lang="pt-BR"/>
+          </a:p>
+        </p:txBody>
+      </p:sp>
+      <p:grpSp>
+        <p:nvGrpSpPr>
+          <p:cNvPr id="4" name="Agrupar 3">
+            <a:extLst>
+              <a:ext uri="{FF2B5EF4-FFF2-40B4-BE49-F238E27FC236}">
+                <a16:creationId xmlns:a16="http://schemas.microsoft.com/office/drawing/2014/main" id="{C6195E34-63FF-77ED-057A-F5106FFE4218}"/>
+              </a:ext>
+            </a:extLst>
+          </p:cNvPr>
+          <p:cNvGrpSpPr/>
+          <p:nvPr/>
+        </p:nvGrpSpPr>
+        <p:grpSpPr>
+          <a:xfrm rot="10800000" flipH="1">
+            <a:off x="1540524" y="329700"/>
+            <a:ext cx="9855159" cy="6528300"/>
+            <a:chOff x="1540411" y="-26432"/>
+            <a:chExt cx="9855159" cy="6528300"/>
+          </a:xfrm>
+        </p:grpSpPr>
+        <p:pic>
+          <p:nvPicPr>
+            <p:cNvPr id="3" name="Imagem 2">
+              <a:extLst>
+                <a:ext uri="{FF2B5EF4-FFF2-40B4-BE49-F238E27FC236}">
+                  <a16:creationId xmlns:a16="http://schemas.microsoft.com/office/drawing/2014/main" id="{916F3C87-06D4-9580-BE60-BA07333B4340}"/>
+                </a:ext>
+              </a:extLst>
+            </p:cNvPr>
+            <p:cNvPicPr>
+              <a:picLocks noChangeAspect="1"/>
+            </p:cNvPicPr>
+            <p:nvPr/>
+          </p:nvPicPr>
+          <p:blipFill>
+            <a:blip r:embed="rId2"/>
+            <a:stretch>
+              <a:fillRect/>
+            </a:stretch>
+          </p:blipFill>
+          <p:spPr>
+            <a:xfrm flipV="1">
+              <a:off x="3216000" y="549000"/>
+              <a:ext cx="5760000" cy="5760000"/>
+            </a:xfrm>
+            <a:prstGeom prst="rect">
+              <a:avLst/>
+            </a:prstGeom>
+          </p:spPr>
+        </p:pic>
+        <p:grpSp>
+          <p:nvGrpSpPr>
+            <p:cNvPr id="5" name="Agrupar 4">
+              <a:extLst>
+                <a:ext uri="{FF2B5EF4-FFF2-40B4-BE49-F238E27FC236}">
+                  <a16:creationId xmlns:a16="http://schemas.microsoft.com/office/drawing/2014/main" id="{39FEF713-4C35-8F8A-39C3-8D1BA3B4C0FC}"/>
+                </a:ext>
+              </a:extLst>
+            </p:cNvPr>
+            <p:cNvGrpSpPr/>
+            <p:nvPr/>
+          </p:nvGrpSpPr>
+          <p:grpSpPr>
+            <a:xfrm>
+              <a:off x="2954829" y="-26432"/>
+              <a:ext cx="8440741" cy="6528300"/>
+              <a:chOff x="5078904" y="-867139"/>
+              <a:chExt cx="8440741" cy="6528300"/>
+            </a:xfrm>
+          </p:grpSpPr>
+          <p:cxnSp>
+            <p:nvCxnSpPr>
+              <p:cNvPr id="6" name="Conector de Seta Reta 5">
+                <a:extLst>
+                  <a:ext uri="{FF2B5EF4-FFF2-40B4-BE49-F238E27FC236}">
+                    <a16:creationId xmlns:a16="http://schemas.microsoft.com/office/drawing/2014/main" id="{D8C937A3-F7DC-880A-55EA-93FAAD6415CD}"/>
+                  </a:ext>
+                </a:extLst>
+              </p:cNvPr>
+              <p:cNvCxnSpPr>
+                <a:cxnSpLocks/>
+              </p:cNvCxnSpPr>
+              <p:nvPr/>
+            </p:nvCxnSpPr>
+            <p:spPr>
+              <a:xfrm>
+                <a:off x="5354587" y="5461050"/>
+                <a:ext cx="7603083" cy="7243"/>
+              </a:xfrm>
+              <a:prstGeom prst="straightConnector1">
+                <a:avLst/>
+              </a:prstGeom>
+              <a:ln w="38100">
+                <a:solidFill>
+                  <a:srgbClr val="C00000"/>
+                </a:solidFill>
+                <a:tailEnd type="triangle"/>
+              </a:ln>
+            </p:spPr>
+            <p:style>
+              <a:lnRef idx="1">
+                <a:schemeClr val="accent1"/>
+              </a:lnRef>
+              <a:fillRef idx="0">
+                <a:schemeClr val="accent1"/>
+              </a:fillRef>
+              <a:effectRef idx="0">
+                <a:schemeClr val="accent1"/>
+              </a:effectRef>
+              <a:fontRef idx="minor">
+                <a:schemeClr val="tx1"/>
+              </a:fontRef>
+            </p:style>
+          </p:cxnSp>
+          <p:cxnSp>
+            <p:nvCxnSpPr>
+              <p:cNvPr id="7" name="Conector de Seta Reta 6">
+                <a:extLst>
+                  <a:ext uri="{FF2B5EF4-FFF2-40B4-BE49-F238E27FC236}">
+                    <a16:creationId xmlns:a16="http://schemas.microsoft.com/office/drawing/2014/main" id="{26F0290C-591C-EA2A-0596-FCA13FA9CF59}"/>
+                  </a:ext>
+                </a:extLst>
+              </p:cNvPr>
+              <p:cNvCxnSpPr>
+                <a:cxnSpLocks/>
+              </p:cNvCxnSpPr>
+              <p:nvPr/>
+            </p:nvCxnSpPr>
+            <p:spPr>
+              <a:xfrm flipV="1">
+                <a:off x="5354587" y="-507332"/>
+                <a:ext cx="2226" cy="5978689"/>
+              </a:xfrm>
+              <a:prstGeom prst="straightConnector1">
+                <a:avLst/>
+              </a:prstGeom>
+              <a:ln w="38100">
+                <a:solidFill>
+                  <a:schemeClr val="accent6"/>
+                </a:solidFill>
+                <a:tailEnd type="triangle"/>
+              </a:ln>
+            </p:spPr>
+            <p:style>
+              <a:lnRef idx="1">
+                <a:schemeClr val="accent1"/>
+              </a:lnRef>
+              <a:fillRef idx="0">
+                <a:schemeClr val="accent1"/>
+              </a:fillRef>
+              <a:effectRef idx="0">
+                <a:schemeClr val="accent1"/>
+              </a:effectRef>
+              <a:fontRef idx="minor">
+                <a:schemeClr val="tx1"/>
+              </a:fontRef>
+            </p:style>
+          </p:cxnSp>
+          <p:sp>
+            <p:nvSpPr>
+              <p:cNvPr id="8" name="CaixaDeTexto 7">
+                <a:extLst>
+                  <a:ext uri="{FF2B5EF4-FFF2-40B4-BE49-F238E27FC236}">
+                    <a16:creationId xmlns:a16="http://schemas.microsoft.com/office/drawing/2014/main" id="{AA8E8075-19E5-7191-B8A2-922997272E6B}"/>
+                  </a:ext>
+                </a:extLst>
+              </p:cNvPr>
+              <p:cNvSpPr txBox="1"/>
+              <p:nvPr/>
+            </p:nvSpPr>
+            <p:spPr>
+              <a:xfrm rot="10800000">
+                <a:off x="13081705" y="5291829"/>
+                <a:ext cx="437940" cy="369332"/>
+              </a:xfrm>
+              <a:prstGeom prst="rect">
+                <a:avLst/>
+              </a:prstGeom>
+              <a:noFill/>
+            </p:spPr>
+            <p:txBody>
+              <a:bodyPr wrap="none" rtlCol="0">
+                <a:spAutoFit/>
+              </a:bodyPr>
+              <a:lstStyle/>
+              <a:p>
+                <a:r>
+                  <a:rPr lang="pt-BR" dirty="0">
+                    <a:solidFill>
+                      <a:schemeClr val="bg1"/>
+                    </a:solidFill>
+                    <a:latin typeface="Consolas" panose="020B0609020204030204" pitchFamily="49" charset="0"/>
+                  </a:rPr>
+                  <a:t>+U</a:t>
+                </a:r>
+              </a:p>
+            </p:txBody>
+          </p:sp>
+          <p:sp>
+            <p:nvSpPr>
+              <p:cNvPr id="9" name="CaixaDeTexto 8">
+                <a:extLst>
+                  <a:ext uri="{FF2B5EF4-FFF2-40B4-BE49-F238E27FC236}">
+                    <a16:creationId xmlns:a16="http://schemas.microsoft.com/office/drawing/2014/main" id="{44E1AA79-B866-A313-B7D1-CEBA7D6AF117}"/>
+                  </a:ext>
+                </a:extLst>
+              </p:cNvPr>
+              <p:cNvSpPr txBox="1"/>
+              <p:nvPr/>
+            </p:nvSpPr>
+            <p:spPr>
+              <a:xfrm rot="10800000">
+                <a:off x="5078904" y="-867139"/>
+                <a:ext cx="442750" cy="369332"/>
+              </a:xfrm>
+              <a:prstGeom prst="rect">
+                <a:avLst/>
+              </a:prstGeom>
+              <a:noFill/>
+            </p:spPr>
+            <p:txBody>
+              <a:bodyPr wrap="none" rtlCol="0">
+                <a:spAutoFit/>
+              </a:bodyPr>
+              <a:lstStyle/>
+              <a:p>
+                <a:r>
+                  <a:rPr lang="pt-BR" dirty="0">
+                    <a:solidFill>
+                      <a:schemeClr val="bg1"/>
+                    </a:solidFill>
+                    <a:latin typeface="Consolas" panose="020B0609020204030204" pitchFamily="49" charset="0"/>
+                  </a:rPr>
+                  <a:t>+V</a:t>
+                </a:r>
+              </a:p>
+            </p:txBody>
+          </p:sp>
+        </p:grpSp>
+        <p:sp>
+          <p:nvSpPr>
+            <p:cNvPr id="13" name="CaixaDeTexto 12">
+              <a:extLst>
+                <a:ext uri="{FF2B5EF4-FFF2-40B4-BE49-F238E27FC236}">
+                  <a16:creationId xmlns:a16="http://schemas.microsoft.com/office/drawing/2014/main" id="{88CD88D5-E83A-7618-95B4-5BA2AD9D8057}"/>
+                </a:ext>
+              </a:extLst>
+            </p:cNvPr>
+            <p:cNvSpPr txBox="1"/>
+            <p:nvPr/>
+          </p:nvSpPr>
+          <p:spPr>
+            <a:xfrm rot="10800000">
+              <a:off x="1540411" y="6110577"/>
+              <a:ext cx="1451039" cy="369332"/>
+            </a:xfrm>
+            <a:prstGeom prst="rect">
+              <a:avLst/>
+            </a:prstGeom>
+            <a:noFill/>
+          </p:spPr>
+          <p:txBody>
+            <a:bodyPr wrap="none" rtlCol="0">
+              <a:spAutoFit/>
+            </a:bodyPr>
+            <a:lstStyle/>
+            <a:p>
+              <a:pPr algn="r"/>
+              <a:r>
+                <a:rPr lang="pt-BR" dirty="0">
+                  <a:solidFill>
+                    <a:schemeClr val="bg1"/>
+                  </a:solidFill>
+                  <a:latin typeface="Consolas" panose="020B0609020204030204" pitchFamily="49" charset="0"/>
+                </a:rPr>
+                <a:t>0.0f, 0.0f</a:t>
+              </a:r>
+            </a:p>
+          </p:txBody>
+        </p:sp>
+        <p:sp>
+          <p:nvSpPr>
+            <p:cNvPr id="14" name="CaixaDeTexto 13">
+              <a:extLst>
+                <a:ext uri="{FF2B5EF4-FFF2-40B4-BE49-F238E27FC236}">
+                  <a16:creationId xmlns:a16="http://schemas.microsoft.com/office/drawing/2014/main" id="{F9561DD8-32E3-C3CE-56E9-BF575F1659D6}"/>
+                </a:ext>
+              </a:extLst>
+            </p:cNvPr>
+            <p:cNvSpPr txBox="1"/>
+            <p:nvPr/>
+          </p:nvSpPr>
+          <p:spPr>
+            <a:xfrm rot="10800000">
+              <a:off x="1549287" y="364334"/>
+              <a:ext cx="1451039" cy="369332"/>
+            </a:xfrm>
+            <a:prstGeom prst="rect">
+              <a:avLst/>
+            </a:prstGeom>
+            <a:noFill/>
+          </p:spPr>
+          <p:txBody>
+            <a:bodyPr wrap="none" rtlCol="0">
+              <a:spAutoFit/>
+            </a:bodyPr>
+            <a:lstStyle/>
+            <a:p>
+              <a:pPr algn="r"/>
+              <a:r>
+                <a:rPr lang="pt-BR" dirty="0">
+                  <a:solidFill>
+                    <a:schemeClr val="bg1"/>
+                  </a:solidFill>
+                  <a:latin typeface="Consolas" panose="020B0609020204030204" pitchFamily="49" charset="0"/>
+                </a:rPr>
+                <a:t>0.0f, 1.0f</a:t>
+              </a:r>
+            </a:p>
+          </p:txBody>
+        </p:sp>
+        <p:sp>
+          <p:nvSpPr>
+            <p:cNvPr id="15" name="CaixaDeTexto 14">
+              <a:extLst>
+                <a:ext uri="{FF2B5EF4-FFF2-40B4-BE49-F238E27FC236}">
+                  <a16:creationId xmlns:a16="http://schemas.microsoft.com/office/drawing/2014/main" id="{C85810AB-B88D-650E-9BCB-A7A6A97E7396}"/>
+                </a:ext>
+              </a:extLst>
+            </p:cNvPr>
+            <p:cNvSpPr txBox="1"/>
+            <p:nvPr/>
+          </p:nvSpPr>
+          <p:spPr>
+            <a:xfrm rot="10800000">
+              <a:off x="9191675" y="342900"/>
+              <a:ext cx="1451038" cy="369332"/>
+            </a:xfrm>
+            <a:prstGeom prst="rect">
+              <a:avLst/>
+            </a:prstGeom>
+            <a:noFill/>
+          </p:spPr>
+          <p:txBody>
+            <a:bodyPr wrap="none" rtlCol="0">
+              <a:spAutoFit/>
+            </a:bodyPr>
+            <a:lstStyle/>
+            <a:p>
+              <a:r>
+                <a:rPr lang="pt-BR" dirty="0">
+                  <a:solidFill>
+                    <a:schemeClr val="bg1"/>
+                  </a:solidFill>
+                  <a:latin typeface="Consolas" panose="020B0609020204030204" pitchFamily="49" charset="0"/>
+                </a:rPr>
+                <a:t>1.0f, 1.0f</a:t>
+              </a:r>
+            </a:p>
+          </p:txBody>
+        </p:sp>
+        <p:sp>
+          <p:nvSpPr>
+            <p:cNvPr id="16" name="CaixaDeTexto 15">
+              <a:extLst>
+                <a:ext uri="{FF2B5EF4-FFF2-40B4-BE49-F238E27FC236}">
+                  <a16:creationId xmlns:a16="http://schemas.microsoft.com/office/drawing/2014/main" id="{F1E69FC2-11A7-CB75-5B04-BA81F2B7D7B0}"/>
+                </a:ext>
+              </a:extLst>
+            </p:cNvPr>
+            <p:cNvSpPr txBox="1"/>
+            <p:nvPr/>
+          </p:nvSpPr>
+          <p:spPr>
+            <a:xfrm rot="10800000">
+              <a:off x="9213583" y="6112774"/>
+              <a:ext cx="1451038" cy="369332"/>
+            </a:xfrm>
+            <a:prstGeom prst="rect">
+              <a:avLst/>
+            </a:prstGeom>
+            <a:noFill/>
+          </p:spPr>
+          <p:txBody>
+            <a:bodyPr wrap="none" rtlCol="0">
+              <a:spAutoFit/>
+            </a:bodyPr>
+            <a:lstStyle/>
+            <a:p>
+              <a:r>
+                <a:rPr lang="pt-BR" dirty="0">
+                  <a:solidFill>
+                    <a:schemeClr val="bg1"/>
+                  </a:solidFill>
+                  <a:latin typeface="Consolas" panose="020B0609020204030204" pitchFamily="49" charset="0"/>
+                </a:rPr>
+                <a:t>1.0f, 0.0f</a:t>
+              </a:r>
+            </a:p>
+          </p:txBody>
+        </p:sp>
+      </p:grpSp>
+      <p:sp>
+        <p:nvSpPr>
+          <p:cNvPr id="26" name="CaixaDeTexto 25">
+            <a:extLst>
+              <a:ext uri="{FF2B5EF4-FFF2-40B4-BE49-F238E27FC236}">
+                <a16:creationId xmlns:a16="http://schemas.microsoft.com/office/drawing/2014/main" id="{EE03B6BA-1DD4-9BDA-4AF0-6042FA06D5F7}"/>
+              </a:ext>
+            </a:extLst>
+          </p:cNvPr>
+          <p:cNvSpPr txBox="1"/>
+          <p:nvPr/>
+        </p:nvSpPr>
+        <p:spPr>
+          <a:xfrm>
+            <a:off x="10460605" y="2825214"/>
+            <a:ext cx="1451039" cy="1200329"/>
+          </a:xfrm>
+          <a:prstGeom prst="rect">
+            <a:avLst/>
+          </a:prstGeom>
+          <a:noFill/>
+        </p:spPr>
+        <p:txBody>
+          <a:bodyPr wrap="none" rtlCol="0">
+            <a:spAutoFit/>
+          </a:bodyPr>
+          <a:lstStyle/>
+          <a:p>
+            <a:pPr algn="r"/>
+            <a:r>
+              <a:rPr lang="pt-BR" dirty="0">
+                <a:solidFill>
+                  <a:schemeClr val="bg1"/>
+                </a:solidFill>
+                <a:latin typeface="Consolas" panose="020B0609020204030204" pitchFamily="49" charset="0"/>
+              </a:rPr>
+              <a:t>0.0f, 0.0f</a:t>
+            </a:r>
+          </a:p>
+          <a:p>
+            <a:pPr algn="r"/>
+            <a:r>
+              <a:rPr lang="pt-BR" dirty="0">
+                <a:solidFill>
+                  <a:schemeClr val="bg1"/>
+                </a:solidFill>
+                <a:latin typeface="Consolas" panose="020B0609020204030204" pitchFamily="49" charset="0"/>
+              </a:rPr>
+              <a:t>1.0f, 0.0f</a:t>
+            </a:r>
+          </a:p>
+          <a:p>
+            <a:pPr algn="r"/>
+            <a:r>
+              <a:rPr lang="pt-BR" dirty="0">
+                <a:solidFill>
+                  <a:schemeClr val="bg1"/>
+                </a:solidFill>
+                <a:latin typeface="Consolas" panose="020B0609020204030204" pitchFamily="49" charset="0"/>
+              </a:rPr>
+              <a:t>1.0f, 1.0f</a:t>
+            </a:r>
+          </a:p>
+          <a:p>
+            <a:pPr algn="r"/>
+            <a:r>
+              <a:rPr lang="pt-BR" dirty="0">
+                <a:solidFill>
+                  <a:schemeClr val="bg1"/>
+                </a:solidFill>
+                <a:latin typeface="Consolas" panose="020B0609020204030204" pitchFamily="49" charset="0"/>
+              </a:rPr>
+              <a:t>0.0f, 1.0f</a:t>
+            </a:r>
+          </a:p>
+        </p:txBody>
+      </p:sp>
+      <p:sp>
+        <p:nvSpPr>
+          <p:cNvPr id="10" name="Elipse 9">
+            <a:extLst>
+              <a:ext uri="{FF2B5EF4-FFF2-40B4-BE49-F238E27FC236}">
+                <a16:creationId xmlns:a16="http://schemas.microsoft.com/office/drawing/2014/main" id="{163A6038-972B-B3CB-A65A-272F98FED8E1}"/>
+              </a:ext>
+            </a:extLst>
+          </p:cNvPr>
+          <p:cNvSpPr/>
+          <p:nvPr/>
+        </p:nvSpPr>
+        <p:spPr>
+          <a:xfrm>
+            <a:off x="8801850" y="372675"/>
+            <a:ext cx="360000" cy="360000"/>
+          </a:xfrm>
+          <a:prstGeom prst="ellipse">
+            <a:avLst/>
+          </a:prstGeom>
+          <a:solidFill>
+            <a:srgbClr val="C00000"/>
+          </a:solidFill>
+          <a:ln>
+            <a:noFill/>
+          </a:ln>
+        </p:spPr>
+        <p:style>
+          <a:lnRef idx="2">
+            <a:schemeClr val="accent1">
+              <a:shade val="50000"/>
+            </a:schemeClr>
+          </a:lnRef>
+          <a:fillRef idx="1">
+            <a:schemeClr val="accent1"/>
+          </a:fillRef>
+          <a:effectRef idx="0">
+            <a:schemeClr val="accent1"/>
+          </a:effectRef>
+          <a:fontRef idx="minor">
+            <a:schemeClr val="lt1"/>
+          </a:fontRef>
+        </p:style>
+        <p:txBody>
+          <a:bodyPr rtlCol="0" anchor="ctr"/>
+          <a:lstStyle/>
+          <a:p>
+            <a:pPr algn="ctr"/>
+            <a:r>
+              <a:rPr lang="pt-BR" dirty="0">
+                <a:latin typeface="Consolas" panose="020B0609020204030204" pitchFamily="49" charset="0"/>
+              </a:rPr>
+              <a:t>3</a:t>
+            </a:r>
+          </a:p>
+        </p:txBody>
+      </p:sp>
+      <p:sp>
+        <p:nvSpPr>
+          <p:cNvPr id="11" name="Elipse 10">
+            <a:extLst>
+              <a:ext uri="{FF2B5EF4-FFF2-40B4-BE49-F238E27FC236}">
+                <a16:creationId xmlns:a16="http://schemas.microsoft.com/office/drawing/2014/main" id="{12BE683B-E893-33F1-BB79-2902414DC7AE}"/>
+              </a:ext>
+            </a:extLst>
+          </p:cNvPr>
+          <p:cNvSpPr/>
+          <p:nvPr/>
+        </p:nvSpPr>
+        <p:spPr>
+          <a:xfrm>
+            <a:off x="8801850" y="6125325"/>
+            <a:ext cx="360000" cy="360000"/>
+          </a:xfrm>
+          <a:prstGeom prst="ellipse">
+            <a:avLst/>
+          </a:prstGeom>
+          <a:solidFill>
+            <a:srgbClr val="C00000"/>
+          </a:solidFill>
+          <a:ln>
+            <a:noFill/>
+          </a:ln>
+        </p:spPr>
+        <p:style>
+          <a:lnRef idx="2">
+            <a:schemeClr val="accent1">
+              <a:shade val="50000"/>
+            </a:schemeClr>
+          </a:lnRef>
+          <a:fillRef idx="1">
+            <a:schemeClr val="accent1"/>
+          </a:fillRef>
+          <a:effectRef idx="0">
+            <a:schemeClr val="accent1"/>
+          </a:effectRef>
+          <a:fontRef idx="minor">
+            <a:schemeClr val="lt1"/>
+          </a:fontRef>
+        </p:style>
+        <p:txBody>
+          <a:bodyPr rtlCol="0" anchor="ctr"/>
+          <a:lstStyle/>
+          <a:p>
+            <a:pPr algn="ctr"/>
+            <a:r>
+              <a:rPr lang="pt-BR" dirty="0">
+                <a:latin typeface="Consolas" panose="020B0609020204030204" pitchFamily="49" charset="0"/>
+              </a:rPr>
+              <a:t>0</a:t>
+            </a:r>
+          </a:p>
+        </p:txBody>
+      </p:sp>
+      <p:sp>
+        <p:nvSpPr>
+          <p:cNvPr id="20" name="Elipse 19">
+            <a:extLst>
+              <a:ext uri="{FF2B5EF4-FFF2-40B4-BE49-F238E27FC236}">
+                <a16:creationId xmlns:a16="http://schemas.microsoft.com/office/drawing/2014/main" id="{CE564870-F47E-C9A8-6191-7A57F7B7EE06}"/>
+              </a:ext>
+            </a:extLst>
+          </p:cNvPr>
+          <p:cNvSpPr/>
+          <p:nvPr/>
+        </p:nvSpPr>
+        <p:spPr>
+          <a:xfrm>
+            <a:off x="3039675" y="6125325"/>
+            <a:ext cx="360000" cy="360000"/>
+          </a:xfrm>
+          <a:prstGeom prst="ellipse">
+            <a:avLst/>
+          </a:prstGeom>
+          <a:solidFill>
+            <a:srgbClr val="C00000"/>
+          </a:solidFill>
+          <a:ln>
+            <a:noFill/>
+          </a:ln>
+        </p:spPr>
+        <p:style>
+          <a:lnRef idx="2">
+            <a:schemeClr val="accent1">
+              <a:shade val="50000"/>
+            </a:schemeClr>
+          </a:lnRef>
+          <a:fillRef idx="1">
+            <a:schemeClr val="accent1"/>
+          </a:fillRef>
+          <a:effectRef idx="0">
+            <a:schemeClr val="accent1"/>
+          </a:effectRef>
+          <a:fontRef idx="minor">
+            <a:schemeClr val="lt1"/>
+          </a:fontRef>
+        </p:style>
+        <p:txBody>
+          <a:bodyPr rtlCol="0" anchor="ctr"/>
+          <a:lstStyle/>
+          <a:p>
+            <a:pPr algn="ctr"/>
+            <a:r>
+              <a:rPr lang="pt-BR" dirty="0">
+                <a:latin typeface="Consolas" panose="020B0609020204030204" pitchFamily="49" charset="0"/>
+              </a:rPr>
+              <a:t>1</a:t>
+            </a:r>
+          </a:p>
+        </p:txBody>
+      </p:sp>
+      <p:sp>
+        <p:nvSpPr>
+          <p:cNvPr id="21" name="Elipse 20">
+            <a:extLst>
+              <a:ext uri="{FF2B5EF4-FFF2-40B4-BE49-F238E27FC236}">
+                <a16:creationId xmlns:a16="http://schemas.microsoft.com/office/drawing/2014/main" id="{28989611-0191-D0FF-AC93-A986B7BA3D49}"/>
+              </a:ext>
+            </a:extLst>
+          </p:cNvPr>
+          <p:cNvSpPr/>
+          <p:nvPr/>
+        </p:nvSpPr>
+        <p:spPr>
+          <a:xfrm>
+            <a:off x="3039675" y="372675"/>
+            <a:ext cx="360000" cy="360000"/>
+          </a:xfrm>
+          <a:prstGeom prst="ellipse">
+            <a:avLst/>
+          </a:prstGeom>
+          <a:solidFill>
+            <a:srgbClr val="C00000"/>
+          </a:solidFill>
+          <a:ln>
+            <a:noFill/>
+          </a:ln>
+        </p:spPr>
+        <p:style>
+          <a:lnRef idx="2">
+            <a:schemeClr val="accent1">
+              <a:shade val="50000"/>
+            </a:schemeClr>
+          </a:lnRef>
+          <a:fillRef idx="1">
+            <a:schemeClr val="accent1"/>
+          </a:fillRef>
+          <a:effectRef idx="0">
+            <a:schemeClr val="accent1"/>
+          </a:effectRef>
+          <a:fontRef idx="minor">
+            <a:schemeClr val="lt1"/>
+          </a:fontRef>
+        </p:style>
+        <p:txBody>
+          <a:bodyPr rtlCol="0" anchor="ctr"/>
+          <a:lstStyle/>
+          <a:p>
+            <a:pPr algn="ctr"/>
+            <a:r>
+              <a:rPr lang="pt-BR" dirty="0">
+                <a:latin typeface="Consolas" panose="020B0609020204030204" pitchFamily="49" charset="0"/>
+              </a:rPr>
+              <a:t>2</a:t>
+            </a:r>
+          </a:p>
+        </p:txBody>
+      </p:sp>
+    </p:spTree>
+    <p:extLst>
+      <p:ext uri="{BB962C8B-B14F-4D97-AF65-F5344CB8AC3E}">
+        <p14:creationId xmlns:p14="http://schemas.microsoft.com/office/powerpoint/2010/main" val="1873566104"/>
       </p:ext>
     </p:extLst>
   </p:cSld>
